--- a/usecasepresentation.pptx
+++ b/usecasepresentation.pptx
@@ -113,6 +113,11 @@
       </a:defRPr>
     </a:lvl9pPr>
   </p:defaultTextStyle>
+  <p:extLst>
+    <p:ext uri="{EFAFB233-063F-42B5-8137-9DF3F51BA10A}">
+      <p15:sldGuideLst xmlns:p15="http://schemas.microsoft.com/office/powerpoint/2012/main"/>
+    </p:ext>
+  </p:extLst>
 </p:presentation>
 </file>
 
@@ -307,7 +312,7 @@
           <a:p>
             <a:fld id="{2C1A9416-1E9F-4A9E-8494-D96A666F628A}" type="datetimeFigureOut">
               <a:rPr lang="en-US" smtClean="0"/>
-              <a:t>6/17/2015</a:t>
+              <a:t>6/21/2015</a:t>
             </a:fld>
             <a:endParaRPr lang="en-US"/>
           </a:p>
@@ -743,7 +748,7 @@
           <a:p>
             <a:fld id="{2C1A9416-1E9F-4A9E-8494-D96A666F628A}" type="datetimeFigureOut">
               <a:rPr lang="en-US" smtClean="0"/>
-              <a:t>6/17/2015</a:t>
+              <a:t>6/21/2015</a:t>
             </a:fld>
             <a:endParaRPr lang="en-US"/>
           </a:p>
@@ -993,7 +998,7 @@
           <a:p>
             <a:fld id="{2C1A9416-1E9F-4A9E-8494-D96A666F628A}" type="datetimeFigureOut">
               <a:rPr lang="en-US" smtClean="0"/>
-              <a:t>6/17/2015</a:t>
+              <a:t>6/21/2015</a:t>
             </a:fld>
             <a:endParaRPr lang="en-US"/>
           </a:p>
@@ -1301,7 +1306,7 @@
           <a:p>
             <a:fld id="{2C1A9416-1E9F-4A9E-8494-D96A666F628A}" type="datetimeFigureOut">
               <a:rPr lang="en-US" smtClean="0"/>
-              <a:t>6/17/2015</a:t>
+              <a:t>6/21/2015</a:t>
             </a:fld>
             <a:endParaRPr lang="en-US"/>
           </a:p>
@@ -1619,7 +1624,7 @@
           <a:p>
             <a:fld id="{2C1A9416-1E9F-4A9E-8494-D96A666F628A}" type="datetimeFigureOut">
               <a:rPr lang="en-US" smtClean="0"/>
-              <a:t>6/17/2015</a:t>
+              <a:t>6/21/2015</a:t>
             </a:fld>
             <a:endParaRPr lang="en-US"/>
           </a:p>
@@ -1921,7 +1926,7 @@
           <a:p>
             <a:fld id="{2C1A9416-1E9F-4A9E-8494-D96A666F628A}" type="datetimeFigureOut">
               <a:rPr lang="en-US" smtClean="0"/>
-              <a:t>6/17/2015</a:t>
+              <a:t>6/21/2015</a:t>
             </a:fld>
             <a:endParaRPr lang="en-US"/>
           </a:p>
@@ -2288,7 +2293,7 @@
           <a:p>
             <a:fld id="{2C1A9416-1E9F-4A9E-8494-D96A666F628A}" type="datetimeFigureOut">
               <a:rPr lang="en-US" smtClean="0"/>
-              <a:t>6/17/2015</a:t>
+              <a:t>6/21/2015</a:t>
             </a:fld>
             <a:endParaRPr lang="en-US"/>
           </a:p>
@@ -2462,7 +2467,7 @@
           <a:p>
             <a:fld id="{2C1A9416-1E9F-4A9E-8494-D96A666F628A}" type="datetimeFigureOut">
               <a:rPr lang="en-US" smtClean="0"/>
-              <a:t>6/17/2015</a:t>
+              <a:t>6/21/2015</a:t>
             </a:fld>
             <a:endParaRPr lang="en-US"/>
           </a:p>
@@ -2642,7 +2647,7 @@
           <a:p>
             <a:fld id="{2C1A9416-1E9F-4A9E-8494-D96A666F628A}" type="datetimeFigureOut">
               <a:rPr lang="en-US" smtClean="0"/>
-              <a:t>6/17/2015</a:t>
+              <a:t>6/21/2015</a:t>
             </a:fld>
             <a:endParaRPr lang="en-US"/>
           </a:p>
@@ -2812,7 +2817,7 @@
           <a:p>
             <a:fld id="{2C1A9416-1E9F-4A9E-8494-D96A666F628A}" type="datetimeFigureOut">
               <a:rPr lang="en-US" smtClean="0"/>
-              <a:t>6/17/2015</a:t>
+              <a:t>6/21/2015</a:t>
             </a:fld>
             <a:endParaRPr lang="en-US"/>
           </a:p>
@@ -3062,7 +3067,7 @@
           <a:p>
             <a:fld id="{2C1A9416-1E9F-4A9E-8494-D96A666F628A}" type="datetimeFigureOut">
               <a:rPr lang="en-US" smtClean="0"/>
-              <a:t>6/17/2015</a:t>
+              <a:t>6/21/2015</a:t>
             </a:fld>
             <a:endParaRPr lang="en-US"/>
           </a:p>
@@ -3298,7 +3303,7 @@
           <a:p>
             <a:fld id="{2C1A9416-1E9F-4A9E-8494-D96A666F628A}" type="datetimeFigureOut">
               <a:rPr lang="en-US" smtClean="0"/>
-              <a:t>6/17/2015</a:t>
+              <a:t>6/21/2015</a:t>
             </a:fld>
             <a:endParaRPr lang="en-US"/>
           </a:p>
@@ -3680,7 +3685,7 @@
           <a:p>
             <a:fld id="{2C1A9416-1E9F-4A9E-8494-D96A666F628A}" type="datetimeFigureOut">
               <a:rPr lang="en-US" smtClean="0"/>
-              <a:t>6/17/2015</a:t>
+              <a:t>6/21/2015</a:t>
             </a:fld>
             <a:endParaRPr lang="en-US"/>
           </a:p>
@@ -3798,7 +3803,7 @@
           <a:p>
             <a:fld id="{2C1A9416-1E9F-4A9E-8494-D96A666F628A}" type="datetimeFigureOut">
               <a:rPr lang="en-US" smtClean="0"/>
-              <a:t>6/17/2015</a:t>
+              <a:t>6/21/2015</a:t>
             </a:fld>
             <a:endParaRPr lang="en-US"/>
           </a:p>
@@ -3893,7 +3898,7 @@
           <a:p>
             <a:fld id="{2C1A9416-1E9F-4A9E-8494-D96A666F628A}" type="datetimeFigureOut">
               <a:rPr lang="en-US" smtClean="0"/>
-              <a:t>6/17/2015</a:t>
+              <a:t>6/21/2015</a:t>
             </a:fld>
             <a:endParaRPr lang="en-US"/>
           </a:p>
@@ -4148,7 +4153,7 @@
           <a:p>
             <a:fld id="{2C1A9416-1E9F-4A9E-8494-D96A666F628A}" type="datetimeFigureOut">
               <a:rPr lang="en-US" smtClean="0"/>
-              <a:t>6/17/2015</a:t>
+              <a:t>6/21/2015</a:t>
             </a:fld>
             <a:endParaRPr lang="en-US"/>
           </a:p>
@@ -4431,7 +4436,7 @@
           <a:p>
             <a:fld id="{2C1A9416-1E9F-4A9E-8494-D96A666F628A}" type="datetimeFigureOut">
               <a:rPr lang="en-US" smtClean="0"/>
-              <a:t>6/17/2015</a:t>
+              <a:t>6/21/2015</a:t>
             </a:fld>
             <a:endParaRPr lang="en-US"/>
           </a:p>
@@ -4837,7 +4842,7 @@
           <a:p>
             <a:fld id="{2C1A9416-1E9F-4A9E-8494-D96A666F628A}" type="datetimeFigureOut">
               <a:rPr lang="en-US" smtClean="0"/>
-              <a:t>6/17/2015</a:t>
+              <a:t>6/21/2015</a:t>
             </a:fld>
             <a:endParaRPr lang="en-US"/>
           </a:p>
@@ -6000,8 +6005,9 @@
             </a:pPr>
             <a:r>
               <a:rPr lang="en-US" dirty="0" smtClean="0"/>
-              <a:t>Assumption 1</a:t>
-            </a:r>
+              <a:t>Kiosks will have power</a:t>
+            </a:r>
+            <a:endParaRPr lang="en-US" dirty="0" smtClean="0"/>
           </a:p>
           <a:p>
             <a:pPr marL="342900" indent="-342900">
@@ -6010,8 +6016,9 @@
             </a:pPr>
             <a:r>
               <a:rPr lang="en-US" dirty="0" smtClean="0"/>
-              <a:t>Assumption 2</a:t>
-            </a:r>
+              <a:t>A method for transporting audiobooks between branches will be available</a:t>
+            </a:r>
+            <a:endParaRPr lang="en-US" dirty="0" smtClean="0"/>
           </a:p>
           <a:p>
             <a:pPr marL="342900" indent="-342900">
@@ -6020,8 +6027,9 @@
             </a:pPr>
             <a:r>
               <a:rPr lang="en-US" dirty="0" smtClean="0"/>
-              <a:t>Something about hardware</a:t>
-            </a:r>
+              <a:t>Kiosk hardware will be in good repair and function as expected</a:t>
+            </a:r>
+            <a:endParaRPr lang="en-US" dirty="0" smtClean="0"/>
           </a:p>
           <a:p>
             <a:pPr marL="342900" indent="-342900">
@@ -6030,8 +6038,9 @@
             </a:pPr>
             <a:r>
               <a:rPr lang="en-US" dirty="0" smtClean="0"/>
-              <a:t>Power something or other</a:t>
-            </a:r>
+              <a:t>Credit Card data will not be hosted internally</a:t>
+            </a:r>
+            <a:endParaRPr lang="en-US" dirty="0" smtClean="0"/>
           </a:p>
           <a:p>
             <a:pPr marL="342900" indent="-342900">
@@ -6236,21 +6245,21 @@
       </p:sp>
       <p:graphicFrame>
         <p:nvGraphicFramePr>
-          <p:cNvPr id="4" name="Table 3"/>
+          <p:cNvPr id="5" name="Table 4"/>
           <p:cNvGraphicFramePr>
             <a:graphicFrameLocks noGrp="1"/>
           </p:cNvGraphicFramePr>
           <p:nvPr>
             <p:extLst>
               <p:ext uri="{D42A27DB-BD31-4B8C-83A1-F6EECF244321}">
-                <p14:modId xmlns:p14="http://schemas.microsoft.com/office/powerpoint/2010/main" val="362636557"/>
+                <p14:modId xmlns:p14="http://schemas.microsoft.com/office/powerpoint/2010/main" val="586962283"/>
               </p:ext>
             </p:extLst>
           </p:nvPr>
         </p:nvGraphicFramePr>
         <p:xfrm>
-          <a:off x="1378040" y="2421228"/>
-          <a:ext cx="4748124" cy="367665"/>
+          <a:off x="901521" y="1880312"/>
+          <a:ext cx="8318678" cy="4114090"/>
         </p:xfrm>
         <a:graphic>
           <a:graphicData uri="http://schemas.openxmlformats.org/drawingml/2006/table">
@@ -6259,11 +6268,11 @@
                 <a:tableStyleId>{5C22544A-7EE6-4342-B048-85BDC9FD1C3A}</a:tableStyleId>
               </a:tblPr>
               <a:tblGrid>
-                <a:gridCol w="1537854"/>
-                <a:gridCol w="1287953"/>
-                <a:gridCol w="1922317"/>
+                <a:gridCol w="2992882"/>
+                <a:gridCol w="4036554"/>
+                <a:gridCol w="1289242"/>
               </a:tblGrid>
-              <a:tr h="71941">
+              <a:tr h="325998">
                 <a:tc>
                   <a:txBody>
                     <a:bodyPr/>
@@ -6271,10 +6280,10 @@
                     <a:p>
                       <a:pPr algn="l" fontAlgn="b"/>
                       <a:r>
-                        <a:rPr lang="en-US" sz="1100" b="1" u="none" strike="noStrike" dirty="0">
+                        <a:rPr lang="en-US" sz="1100" u="none" strike="noStrike" dirty="0">
                           <a:effectLst/>
                         </a:rPr>
-                        <a:t>Use case</a:t>
+                        <a:t>Title</a:t>
                       </a:r>
                       <a:endParaRPr lang="en-US" sz="1100" b="1" i="0" u="none" strike="noStrike" dirty="0">
                         <a:solidFill>
@@ -6294,7 +6303,7 @@
                     <a:p>
                       <a:pPr algn="l" fontAlgn="b"/>
                       <a:r>
-                        <a:rPr lang="en-US" sz="1100" b="1" u="none" strike="noStrike" dirty="0">
+                        <a:rPr lang="en-US" sz="1100" u="none" strike="noStrike" dirty="0">
                           <a:effectLst/>
                         </a:rPr>
                         <a:t>Goal</a:t>
@@ -6317,12 +6326,12 @@
                     <a:p>
                       <a:pPr algn="l" fontAlgn="b"/>
                       <a:r>
-                        <a:rPr lang="en-US" sz="1100" b="1" u="none" strike="noStrike" dirty="0">
+                        <a:rPr lang="en-US" sz="1100" u="none" strike="noStrike">
                           <a:effectLst/>
                         </a:rPr>
                         <a:t>Primary Actor</a:t>
                       </a:r>
-                      <a:endParaRPr lang="en-US" sz="1100" b="1" i="0" u="none" strike="noStrike" dirty="0">
+                      <a:endParaRPr lang="en-US" sz="1100" b="1" i="0" u="none" strike="noStrike">
                         <a:solidFill>
                           <a:srgbClr val="000000"/>
                         </a:solidFill>
@@ -6334,7 +6343,7 @@
                   <a:tcPr marL="9525" marR="9525" marT="9525" marB="0" anchor="b"/>
                 </a:tc>
               </a:tr>
-              <a:tr h="190500">
+              <a:tr h="325998">
                 <a:tc>
                   <a:txBody>
                     <a:bodyPr/>
@@ -6345,7 +6354,7 @@
                         <a:rPr lang="en-US" sz="1100" u="none" strike="noStrike">
                           <a:effectLst/>
                         </a:rPr>
-                        <a:t>Use case 1</a:t>
+                        <a:t>Customer Starts a New Kiosk Session</a:t>
                       </a:r>
                       <a:endParaRPr lang="en-US" sz="1100" b="0" i="0" u="none" strike="noStrike">
                         <a:solidFill>
@@ -6368,9 +6377,57 @@
                         <a:rPr lang="en-US" sz="1100" u="none" strike="noStrike" dirty="0">
                           <a:effectLst/>
                         </a:rPr>
-                        <a:t>Goal 1</a:t>
+                        <a:t>Initiate kiosk transaction</a:t>
                       </a:r>
                       <a:endParaRPr lang="en-US" sz="1100" b="0" i="0" u="none" strike="noStrike" dirty="0">
+                        <a:solidFill>
+                          <a:srgbClr val="000000"/>
+                        </a:solidFill>
+                        <a:effectLst/>
+                        <a:latin typeface="Calibri" panose="020F0502020204030204" pitchFamily="34" charset="0"/>
+                      </a:endParaRPr>
+                    </a:p>
+                  </a:txBody>
+                  <a:tcPr marL="9525" marR="9525" marT="9525" marB="0" anchor="b"/>
+                </a:tc>
+                <a:tc>
+                  <a:txBody>
+                    <a:bodyPr/>
+                    <a:lstStyle/>
+                    <a:p>
+                      <a:pPr algn="l" fontAlgn="b"/>
+                      <a:r>
+                        <a:rPr lang="en-US" sz="1100" u="none" strike="noStrike">
+                          <a:effectLst/>
+                        </a:rPr>
+                        <a:t>Customer</a:t>
+                      </a:r>
+                      <a:endParaRPr lang="en-US" sz="1100" b="0" i="0" u="none" strike="noStrike">
+                        <a:solidFill>
+                          <a:srgbClr val="000000"/>
+                        </a:solidFill>
+                        <a:effectLst/>
+                        <a:latin typeface="Calibri" panose="020F0502020204030204" pitchFamily="34" charset="0"/>
+                      </a:endParaRPr>
+                    </a:p>
+                  </a:txBody>
+                  <a:tcPr marL="9525" marR="9525" marT="9525" marB="0" anchor="b"/>
+                </a:tc>
+              </a:tr>
+              <a:tr h="590054">
+                <a:tc>
+                  <a:txBody>
+                    <a:bodyPr/>
+                    <a:lstStyle/>
+                    <a:p>
+                      <a:pPr algn="l" fontAlgn="b"/>
+                      <a:r>
+                        <a:rPr lang="en-US" sz="1100" u="none" strike="noStrike">
+                          <a:effectLst/>
+                        </a:rPr>
+                        <a:t>Customer Browses Audiobook Collection</a:t>
+                      </a:r>
+                      <a:endParaRPr lang="en-US" sz="1100" b="0" i="0" u="none" strike="noStrike">
                         <a:solidFill>
                           <a:srgbClr val="000000"/>
                         </a:solidFill>
@@ -6391,7 +6448,598 @@
                         <a:rPr lang="en-US" sz="1100" u="none" strike="noStrike" dirty="0">
                           <a:effectLst/>
                         </a:rPr>
-                        <a:t>Actor 1</a:t>
+                        <a:t>Browse available audiobooks</a:t>
+                      </a:r>
+                      <a:endParaRPr lang="en-US" sz="1100" b="0" i="0" u="none" strike="noStrike" dirty="0">
+                        <a:solidFill>
+                          <a:srgbClr val="000000"/>
+                        </a:solidFill>
+                        <a:effectLst/>
+                        <a:latin typeface="Calibri" panose="020F0502020204030204" pitchFamily="34" charset="0"/>
+                      </a:endParaRPr>
+                    </a:p>
+                  </a:txBody>
+                  <a:tcPr marL="9525" marR="9525" marT="9525" marB="0" anchor="b"/>
+                </a:tc>
+                <a:tc>
+                  <a:txBody>
+                    <a:bodyPr/>
+                    <a:lstStyle/>
+                    <a:p>
+                      <a:pPr algn="l" fontAlgn="b"/>
+                      <a:r>
+                        <a:rPr lang="en-US" sz="1100" u="none" strike="noStrike">
+                          <a:effectLst/>
+                        </a:rPr>
+                        <a:t>Customer</a:t>
+                      </a:r>
+                      <a:endParaRPr lang="en-US" sz="1100" b="0" i="0" u="none" strike="noStrike">
+                        <a:solidFill>
+                          <a:srgbClr val="000000"/>
+                        </a:solidFill>
+                        <a:effectLst/>
+                        <a:latin typeface="Calibri" panose="020F0502020204030204" pitchFamily="34" charset="0"/>
+                      </a:endParaRPr>
+                    </a:p>
+                  </a:txBody>
+                  <a:tcPr marL="9525" marR="9525" marT="9525" marB="0" anchor="b"/>
+                </a:tc>
+              </a:tr>
+              <a:tr h="325998">
+                <a:tc>
+                  <a:txBody>
+                    <a:bodyPr/>
+                    <a:lstStyle/>
+                    <a:p>
+                      <a:pPr algn="l" fontAlgn="b"/>
+                      <a:r>
+                        <a:rPr lang="en-US" sz="1100" u="none" strike="noStrike">
+                          <a:effectLst/>
+                        </a:rPr>
+                        <a:t>Customer Checks Out</a:t>
+                      </a:r>
+                      <a:endParaRPr lang="en-US" sz="1100" b="0" i="0" u="none" strike="noStrike">
+                        <a:solidFill>
+                          <a:srgbClr val="000000"/>
+                        </a:solidFill>
+                        <a:effectLst/>
+                        <a:latin typeface="Calibri" panose="020F0502020204030204" pitchFamily="34" charset="0"/>
+                      </a:endParaRPr>
+                    </a:p>
+                  </a:txBody>
+                  <a:tcPr marL="9525" marR="9525" marT="9525" marB="0" anchor="b"/>
+                </a:tc>
+                <a:tc>
+                  <a:txBody>
+                    <a:bodyPr/>
+                    <a:lstStyle/>
+                    <a:p>
+                      <a:pPr algn="l" fontAlgn="b"/>
+                      <a:r>
+                        <a:rPr lang="en-US" sz="1100" u="none" strike="noStrike">
+                          <a:effectLst/>
+                        </a:rPr>
+                        <a:t>Check out an audiobook</a:t>
+                      </a:r>
+                      <a:endParaRPr lang="en-US" sz="1100" b="0" i="0" u="none" strike="noStrike">
+                        <a:solidFill>
+                          <a:srgbClr val="000000"/>
+                        </a:solidFill>
+                        <a:effectLst/>
+                        <a:latin typeface="Calibri" panose="020F0502020204030204" pitchFamily="34" charset="0"/>
+                      </a:endParaRPr>
+                    </a:p>
+                  </a:txBody>
+                  <a:tcPr marL="9525" marR="9525" marT="9525" marB="0" anchor="b"/>
+                </a:tc>
+                <a:tc>
+                  <a:txBody>
+                    <a:bodyPr/>
+                    <a:lstStyle/>
+                    <a:p>
+                      <a:pPr algn="l" fontAlgn="b"/>
+                      <a:r>
+                        <a:rPr lang="en-US" sz="1100" u="none" strike="noStrike">
+                          <a:effectLst/>
+                        </a:rPr>
+                        <a:t>Customer</a:t>
+                      </a:r>
+                      <a:endParaRPr lang="en-US" sz="1100" b="0" i="0" u="none" strike="noStrike">
+                        <a:solidFill>
+                          <a:srgbClr val="000000"/>
+                        </a:solidFill>
+                        <a:effectLst/>
+                        <a:latin typeface="Calibri" panose="020F0502020204030204" pitchFamily="34" charset="0"/>
+                      </a:endParaRPr>
+                    </a:p>
+                  </a:txBody>
+                  <a:tcPr marL="9525" marR="9525" marT="9525" marB="0" anchor="b"/>
+                </a:tc>
+              </a:tr>
+              <a:tr h="590054">
+                <a:tc>
+                  <a:txBody>
+                    <a:bodyPr/>
+                    <a:lstStyle/>
+                    <a:p>
+                      <a:pPr algn="l" fontAlgn="b"/>
+                      <a:r>
+                        <a:rPr lang="en-US" sz="1100" u="none" strike="noStrike">
+                          <a:effectLst/>
+                        </a:rPr>
+                        <a:t>Customer Picks up Reserved Audiobook</a:t>
+                      </a:r>
+                      <a:endParaRPr lang="en-US" sz="1100" b="0" i="0" u="none" strike="noStrike">
+                        <a:solidFill>
+                          <a:srgbClr val="000000"/>
+                        </a:solidFill>
+                        <a:effectLst/>
+                        <a:latin typeface="Calibri" panose="020F0502020204030204" pitchFamily="34" charset="0"/>
+                      </a:endParaRPr>
+                    </a:p>
+                  </a:txBody>
+                  <a:tcPr marL="9525" marR="9525" marT="9525" marB="0" anchor="b"/>
+                </a:tc>
+                <a:tc>
+                  <a:txBody>
+                    <a:bodyPr/>
+                    <a:lstStyle/>
+                    <a:p>
+                      <a:pPr algn="l" fontAlgn="b"/>
+                      <a:r>
+                        <a:rPr lang="en-US" sz="1100" u="none" strike="noStrike">
+                          <a:effectLst/>
+                        </a:rPr>
+                        <a:t>Pick up reserved audiobook</a:t>
+                      </a:r>
+                      <a:endParaRPr lang="en-US" sz="1100" b="0" i="0" u="none" strike="noStrike">
+                        <a:solidFill>
+                          <a:srgbClr val="000000"/>
+                        </a:solidFill>
+                        <a:effectLst/>
+                        <a:latin typeface="Calibri" panose="020F0502020204030204" pitchFamily="34" charset="0"/>
+                      </a:endParaRPr>
+                    </a:p>
+                  </a:txBody>
+                  <a:tcPr marL="9525" marR="9525" marT="9525" marB="0" anchor="b"/>
+                </a:tc>
+                <a:tc>
+                  <a:txBody>
+                    <a:bodyPr/>
+                    <a:lstStyle/>
+                    <a:p>
+                      <a:pPr algn="l" fontAlgn="b"/>
+                      <a:r>
+                        <a:rPr lang="en-US" sz="1100" u="none" strike="noStrike">
+                          <a:effectLst/>
+                        </a:rPr>
+                        <a:t>Customer</a:t>
+                      </a:r>
+                      <a:endParaRPr lang="en-US" sz="1100" b="0" i="0" u="none" strike="noStrike">
+                        <a:solidFill>
+                          <a:srgbClr val="000000"/>
+                        </a:solidFill>
+                        <a:effectLst/>
+                        <a:latin typeface="Calibri" panose="020F0502020204030204" pitchFamily="34" charset="0"/>
+                      </a:endParaRPr>
+                    </a:p>
+                  </a:txBody>
+                  <a:tcPr marL="9525" marR="9525" marT="9525" marB="0" anchor="b"/>
+                </a:tc>
+              </a:tr>
+              <a:tr h="325998">
+                <a:tc>
+                  <a:txBody>
+                    <a:bodyPr/>
+                    <a:lstStyle/>
+                    <a:p>
+                      <a:pPr algn="l" fontAlgn="b"/>
+                      <a:r>
+                        <a:rPr lang="en-US" sz="1100" u="none" strike="noStrike">
+                          <a:effectLst/>
+                        </a:rPr>
+                        <a:t>Customer Returns Audiobook</a:t>
+                      </a:r>
+                      <a:endParaRPr lang="en-US" sz="1100" b="0" i="0" u="none" strike="noStrike">
+                        <a:solidFill>
+                          <a:srgbClr val="000000"/>
+                        </a:solidFill>
+                        <a:effectLst/>
+                        <a:latin typeface="Calibri" panose="020F0502020204030204" pitchFamily="34" charset="0"/>
+                      </a:endParaRPr>
+                    </a:p>
+                  </a:txBody>
+                  <a:tcPr marL="9525" marR="9525" marT="9525" marB="0" anchor="b"/>
+                </a:tc>
+                <a:tc>
+                  <a:txBody>
+                    <a:bodyPr/>
+                    <a:lstStyle/>
+                    <a:p>
+                      <a:pPr algn="l" fontAlgn="b"/>
+                      <a:r>
+                        <a:rPr lang="en-US" sz="1100" u="none" strike="noStrike">
+                          <a:effectLst/>
+                        </a:rPr>
+                        <a:t>Return audiobook to kiosk</a:t>
+                      </a:r>
+                      <a:endParaRPr lang="en-US" sz="1100" b="0" i="0" u="none" strike="noStrike">
+                        <a:solidFill>
+                          <a:srgbClr val="000000"/>
+                        </a:solidFill>
+                        <a:effectLst/>
+                        <a:latin typeface="Calibri" panose="020F0502020204030204" pitchFamily="34" charset="0"/>
+                      </a:endParaRPr>
+                    </a:p>
+                  </a:txBody>
+                  <a:tcPr marL="9525" marR="9525" marT="9525" marB="0" anchor="b"/>
+                </a:tc>
+                <a:tc>
+                  <a:txBody>
+                    <a:bodyPr/>
+                    <a:lstStyle/>
+                    <a:p>
+                      <a:pPr algn="l" fontAlgn="b"/>
+                      <a:r>
+                        <a:rPr lang="en-US" sz="1100" u="none" strike="noStrike">
+                          <a:effectLst/>
+                        </a:rPr>
+                        <a:t>Customer</a:t>
+                      </a:r>
+                      <a:endParaRPr lang="en-US" sz="1100" b="0" i="0" u="none" strike="noStrike">
+                        <a:solidFill>
+                          <a:srgbClr val="000000"/>
+                        </a:solidFill>
+                        <a:effectLst/>
+                        <a:latin typeface="Calibri" panose="020F0502020204030204" pitchFamily="34" charset="0"/>
+                      </a:endParaRPr>
+                    </a:p>
+                  </a:txBody>
+                  <a:tcPr marL="9525" marR="9525" marT="9525" marB="0" anchor="b"/>
+                </a:tc>
+              </a:tr>
+              <a:tr h="325998">
+                <a:tc>
+                  <a:txBody>
+                    <a:bodyPr/>
+                    <a:lstStyle/>
+                    <a:p>
+                      <a:pPr algn="l" fontAlgn="b"/>
+                      <a:r>
+                        <a:rPr lang="en-US" sz="1100" u="none" strike="noStrike">
+                          <a:effectLst/>
+                        </a:rPr>
+                        <a:t>Customer Reserves Audiobook</a:t>
+                      </a:r>
+                      <a:endParaRPr lang="en-US" sz="1100" b="0" i="0" u="none" strike="noStrike">
+                        <a:solidFill>
+                          <a:srgbClr val="000000"/>
+                        </a:solidFill>
+                        <a:effectLst/>
+                        <a:latin typeface="Calibri" panose="020F0502020204030204" pitchFamily="34" charset="0"/>
+                      </a:endParaRPr>
+                    </a:p>
+                  </a:txBody>
+                  <a:tcPr marL="9525" marR="9525" marT="9525" marB="0" anchor="b"/>
+                </a:tc>
+                <a:tc>
+                  <a:txBody>
+                    <a:bodyPr/>
+                    <a:lstStyle/>
+                    <a:p>
+                      <a:pPr algn="l" fontAlgn="b"/>
+                      <a:r>
+                        <a:rPr lang="en-US" sz="1100" u="none" strike="noStrike">
+                          <a:effectLst/>
+                        </a:rPr>
+                        <a:t>Reserver audiobook using internet</a:t>
+                      </a:r>
+                      <a:endParaRPr lang="en-US" sz="1100" b="0" i="0" u="none" strike="noStrike">
+                        <a:solidFill>
+                          <a:srgbClr val="000000"/>
+                        </a:solidFill>
+                        <a:effectLst/>
+                        <a:latin typeface="Calibri" panose="020F0502020204030204" pitchFamily="34" charset="0"/>
+                      </a:endParaRPr>
+                    </a:p>
+                  </a:txBody>
+                  <a:tcPr marL="9525" marR="9525" marT="9525" marB="0" anchor="b"/>
+                </a:tc>
+                <a:tc>
+                  <a:txBody>
+                    <a:bodyPr/>
+                    <a:lstStyle/>
+                    <a:p>
+                      <a:pPr algn="l" fontAlgn="b"/>
+                      <a:r>
+                        <a:rPr lang="en-US" sz="1100" u="none" strike="noStrike">
+                          <a:effectLst/>
+                        </a:rPr>
+                        <a:t>Customer</a:t>
+                      </a:r>
+                      <a:endParaRPr lang="en-US" sz="1100" b="0" i="0" u="none" strike="noStrike">
+                        <a:solidFill>
+                          <a:srgbClr val="000000"/>
+                        </a:solidFill>
+                        <a:effectLst/>
+                        <a:latin typeface="Calibri" panose="020F0502020204030204" pitchFamily="34" charset="0"/>
+                      </a:endParaRPr>
+                    </a:p>
+                  </a:txBody>
+                  <a:tcPr marL="9525" marR="9525" marT="9525" marB="0" anchor="b"/>
+                </a:tc>
+              </a:tr>
+              <a:tr h="325998">
+                <a:tc>
+                  <a:txBody>
+                    <a:bodyPr/>
+                    <a:lstStyle/>
+                    <a:p>
+                      <a:pPr algn="l" fontAlgn="b"/>
+                      <a:r>
+                        <a:rPr lang="en-US" sz="1100" u="none" strike="noStrike">
+                          <a:effectLst/>
+                        </a:rPr>
+                        <a:t>Library Staff Restocks Kiosk</a:t>
+                      </a:r>
+                      <a:endParaRPr lang="en-US" sz="1100" b="0" i="0" u="none" strike="noStrike">
+                        <a:solidFill>
+                          <a:srgbClr val="000000"/>
+                        </a:solidFill>
+                        <a:effectLst/>
+                        <a:latin typeface="Calibri" panose="020F0502020204030204" pitchFamily="34" charset="0"/>
+                      </a:endParaRPr>
+                    </a:p>
+                  </a:txBody>
+                  <a:tcPr marL="9525" marR="9525" marT="9525" marB="0" anchor="b"/>
+                </a:tc>
+                <a:tc>
+                  <a:txBody>
+                    <a:bodyPr/>
+                    <a:lstStyle/>
+                    <a:p>
+                      <a:pPr algn="l" fontAlgn="b"/>
+                      <a:r>
+                        <a:rPr lang="en-US" sz="1100" u="none" strike="noStrike">
+                          <a:effectLst/>
+                        </a:rPr>
+                        <a:t>To restock kiosk with returned audiobooks</a:t>
+                      </a:r>
+                      <a:endParaRPr lang="en-US" sz="1100" b="0" i="0" u="none" strike="noStrike">
+                        <a:solidFill>
+                          <a:srgbClr val="000000"/>
+                        </a:solidFill>
+                        <a:effectLst/>
+                        <a:latin typeface="Calibri" panose="020F0502020204030204" pitchFamily="34" charset="0"/>
+                      </a:endParaRPr>
+                    </a:p>
+                  </a:txBody>
+                  <a:tcPr marL="9525" marR="9525" marT="9525" marB="0" anchor="b"/>
+                </a:tc>
+                <a:tc>
+                  <a:txBody>
+                    <a:bodyPr/>
+                    <a:lstStyle/>
+                    <a:p>
+                      <a:pPr algn="l" fontAlgn="b"/>
+                      <a:r>
+                        <a:rPr lang="en-US" sz="1100" u="none" strike="noStrike">
+                          <a:effectLst/>
+                        </a:rPr>
+                        <a:t>Staff</a:t>
+                      </a:r>
+                      <a:endParaRPr lang="en-US" sz="1100" b="0" i="0" u="none" strike="noStrike">
+                        <a:solidFill>
+                          <a:srgbClr val="000000"/>
+                        </a:solidFill>
+                        <a:effectLst/>
+                        <a:latin typeface="Calibri" panose="020F0502020204030204" pitchFamily="34" charset="0"/>
+                      </a:endParaRPr>
+                    </a:p>
+                  </a:txBody>
+                  <a:tcPr marL="9525" marR="9525" marT="9525" marB="0" anchor="b"/>
+                </a:tc>
+              </a:tr>
+              <a:tr h="325998">
+                <a:tc>
+                  <a:txBody>
+                    <a:bodyPr/>
+                    <a:lstStyle/>
+                    <a:p>
+                      <a:pPr algn="l" fontAlgn="b"/>
+                      <a:r>
+                        <a:rPr lang="en-US" sz="1100" u="none" strike="noStrike">
+                          <a:effectLst/>
+                        </a:rPr>
+                        <a:t>Library Staff Registers new Customer</a:t>
+                      </a:r>
+                      <a:endParaRPr lang="en-US" sz="1100" b="0" i="0" u="none" strike="noStrike">
+                        <a:solidFill>
+                          <a:srgbClr val="000000"/>
+                        </a:solidFill>
+                        <a:effectLst/>
+                        <a:latin typeface="Calibri" panose="020F0502020204030204" pitchFamily="34" charset="0"/>
+                      </a:endParaRPr>
+                    </a:p>
+                  </a:txBody>
+                  <a:tcPr marL="9525" marR="9525" marT="9525" marB="0" anchor="b"/>
+                </a:tc>
+                <a:tc>
+                  <a:txBody>
+                    <a:bodyPr/>
+                    <a:lstStyle/>
+                    <a:p>
+                      <a:pPr algn="l" fontAlgn="b"/>
+                      <a:r>
+                        <a:rPr lang="en-US" sz="1100" u="none" strike="noStrike">
+                          <a:effectLst/>
+                        </a:rPr>
+                        <a:t>To register new customer in the system</a:t>
+                      </a:r>
+                      <a:endParaRPr lang="en-US" sz="1100" b="0" i="0" u="none" strike="noStrike">
+                        <a:solidFill>
+                          <a:srgbClr val="000000"/>
+                        </a:solidFill>
+                        <a:effectLst/>
+                        <a:latin typeface="Calibri" panose="020F0502020204030204" pitchFamily="34" charset="0"/>
+                      </a:endParaRPr>
+                    </a:p>
+                  </a:txBody>
+                  <a:tcPr marL="9525" marR="9525" marT="9525" marB="0" anchor="b"/>
+                </a:tc>
+                <a:tc>
+                  <a:txBody>
+                    <a:bodyPr/>
+                    <a:lstStyle/>
+                    <a:p>
+                      <a:pPr algn="l" fontAlgn="b"/>
+                      <a:r>
+                        <a:rPr lang="en-US" sz="1100" u="none" strike="noStrike">
+                          <a:effectLst/>
+                        </a:rPr>
+                        <a:t>Staff</a:t>
+                      </a:r>
+                      <a:endParaRPr lang="en-US" sz="1100" b="0" i="0" u="none" strike="noStrike">
+                        <a:solidFill>
+                          <a:srgbClr val="000000"/>
+                        </a:solidFill>
+                        <a:effectLst/>
+                        <a:latin typeface="Calibri" panose="020F0502020204030204" pitchFamily="34" charset="0"/>
+                      </a:endParaRPr>
+                    </a:p>
+                  </a:txBody>
+                  <a:tcPr marL="9525" marR="9525" marT="9525" marB="0" anchor="b"/>
+                </a:tc>
+              </a:tr>
+              <a:tr h="325998">
+                <a:tc>
+                  <a:txBody>
+                    <a:bodyPr/>
+                    <a:lstStyle/>
+                    <a:p>
+                      <a:pPr algn="l" fontAlgn="b"/>
+                      <a:r>
+                        <a:rPr lang="en-US" sz="1100" u="none" strike="noStrike">
+                          <a:effectLst/>
+                        </a:rPr>
+                        <a:t>Admin runs report</a:t>
+                      </a:r>
+                      <a:endParaRPr lang="en-US" sz="1100" b="0" i="0" u="none" strike="noStrike">
+                        <a:solidFill>
+                          <a:srgbClr val="000000"/>
+                        </a:solidFill>
+                        <a:effectLst/>
+                        <a:latin typeface="Calibri" panose="020F0502020204030204" pitchFamily="34" charset="0"/>
+                      </a:endParaRPr>
+                    </a:p>
+                  </a:txBody>
+                  <a:tcPr marL="9525" marR="9525" marT="9525" marB="0" anchor="b"/>
+                </a:tc>
+                <a:tc>
+                  <a:txBody>
+                    <a:bodyPr/>
+                    <a:lstStyle/>
+                    <a:p>
+                      <a:pPr algn="l" fontAlgn="b"/>
+                      <a:r>
+                        <a:rPr lang="en-US" sz="1100" u="none" strike="noStrike">
+                          <a:effectLst/>
+                        </a:rPr>
+                        <a:t>To see system wide activity</a:t>
+                      </a:r>
+                      <a:endParaRPr lang="en-US" sz="1100" b="0" i="0" u="none" strike="noStrike">
+                        <a:solidFill>
+                          <a:srgbClr val="000000"/>
+                        </a:solidFill>
+                        <a:effectLst/>
+                        <a:latin typeface="Calibri" panose="020F0502020204030204" pitchFamily="34" charset="0"/>
+                      </a:endParaRPr>
+                    </a:p>
+                  </a:txBody>
+                  <a:tcPr marL="9525" marR="9525" marT="9525" marB="0" anchor="b"/>
+                </a:tc>
+                <a:tc>
+                  <a:txBody>
+                    <a:bodyPr/>
+                    <a:lstStyle/>
+                    <a:p>
+                      <a:pPr algn="l" fontAlgn="b"/>
+                      <a:r>
+                        <a:rPr lang="en-US" sz="1100" u="none" strike="noStrike">
+                          <a:effectLst/>
+                        </a:rPr>
+                        <a:t>Admin</a:t>
+                      </a:r>
+                      <a:endParaRPr lang="en-US" sz="1100" b="0" i="0" u="none" strike="noStrike">
+                        <a:solidFill>
+                          <a:srgbClr val="000000"/>
+                        </a:solidFill>
+                        <a:effectLst/>
+                        <a:latin typeface="Calibri" panose="020F0502020204030204" pitchFamily="34" charset="0"/>
+                      </a:endParaRPr>
+                    </a:p>
+                  </a:txBody>
+                  <a:tcPr marL="9525" marR="9525" marT="9525" marB="0" anchor="b"/>
+                </a:tc>
+              </a:tr>
+              <a:tr h="325998">
+                <a:tc>
+                  <a:txBody>
+                    <a:bodyPr/>
+                    <a:lstStyle/>
+                    <a:p>
+                      <a:pPr algn="l" fontAlgn="b"/>
+                      <a:r>
+                        <a:rPr lang="en-US" sz="1100" u="none" strike="noStrike">
+                          <a:effectLst/>
+                        </a:rPr>
+                        <a:t>Admin modifies inventory</a:t>
+                      </a:r>
+                      <a:endParaRPr lang="en-US" sz="1100" b="0" i="0" u="none" strike="noStrike">
+                        <a:solidFill>
+                          <a:srgbClr val="000000"/>
+                        </a:solidFill>
+                        <a:effectLst/>
+                        <a:latin typeface="Calibri" panose="020F0502020204030204" pitchFamily="34" charset="0"/>
+                      </a:endParaRPr>
+                    </a:p>
+                  </a:txBody>
+                  <a:tcPr marL="9525" marR="9525" marT="9525" marB="0" anchor="b"/>
+                </a:tc>
+                <a:tc>
+                  <a:txBody>
+                    <a:bodyPr/>
+                    <a:lstStyle/>
+                    <a:p>
+                      <a:pPr algn="l" fontAlgn="b"/>
+                      <a:r>
+                        <a:rPr lang="en-US" sz="1100" u="none" strike="noStrike">
+                          <a:effectLst/>
+                        </a:rPr>
+                        <a:t>To change inventory levels</a:t>
+                      </a:r>
+                      <a:endParaRPr lang="en-US" sz="1100" b="0" i="0" u="none" strike="noStrike">
+                        <a:solidFill>
+                          <a:srgbClr val="000000"/>
+                        </a:solidFill>
+                        <a:effectLst/>
+                        <a:latin typeface="Calibri" panose="020F0502020204030204" pitchFamily="34" charset="0"/>
+                      </a:endParaRPr>
+                    </a:p>
+                  </a:txBody>
+                  <a:tcPr marL="9525" marR="9525" marT="9525" marB="0" anchor="b"/>
+                </a:tc>
+                <a:tc>
+                  <a:txBody>
+                    <a:bodyPr/>
+                    <a:lstStyle/>
+                    <a:p>
+                      <a:pPr algn="l" fontAlgn="b"/>
+                      <a:r>
+                        <a:rPr lang="en-US" sz="1100" u="none" strike="noStrike" dirty="0">
+                          <a:effectLst/>
+                        </a:rPr>
+                        <a:t>Admin</a:t>
                       </a:r>
                       <a:endParaRPr lang="en-US" sz="1100" b="0" i="0" u="none" strike="noStrike" dirty="0">
                         <a:solidFill>
@@ -6497,7 +7145,15 @@
           <a:p>
             <a:r>
               <a:rPr lang="en-US" dirty="0" smtClean="0"/>
-              <a:t>Library Branch staff – Local branch staff responsible for stocking audiobooks and registering new users</a:t>
+              <a:t>Library </a:t>
+            </a:r>
+            <a:r>
+              <a:rPr lang="en-US" dirty="0" smtClean="0"/>
+              <a:t>staff </a:t>
+            </a:r>
+            <a:r>
+              <a:rPr lang="en-US" dirty="0" smtClean="0"/>
+              <a:t>– Local branch staff responsible for stocking audiobooks and registering new users</a:t>
             </a:r>
           </a:p>
           <a:p>

--- a/usecasepresentation.pptx
+++ b/usecasepresentation.pptx
@@ -115,7 +115,7 @@
   </p:defaultTextStyle>
   <p:extLst>
     <p:ext uri="{EFAFB233-063F-42B5-8137-9DF3F51BA10A}">
-      <p15:sldGuideLst xmlns:p15="http://schemas.microsoft.com/office/powerpoint/2012/main"/>
+      <p15:sldGuideLst xmlns:p15="http://schemas.microsoft.com/office/powerpoint/2012/main" xmlns=""/>
     </p:ext>
   </p:extLst>
 </p:presentation>
@@ -312,7 +312,7 @@
           <a:p>
             <a:fld id="{2C1A9416-1E9F-4A9E-8494-D96A666F628A}" type="datetimeFigureOut">
               <a:rPr lang="en-US" smtClean="0"/>
-              <a:t>6/21/2015</a:t>
+              <a:t>6/22/15</a:t>
             </a:fld>
             <a:endParaRPr lang="en-US"/>
           </a:p>
@@ -748,7 +748,7 @@
           <a:p>
             <a:fld id="{2C1A9416-1E9F-4A9E-8494-D96A666F628A}" type="datetimeFigureOut">
               <a:rPr lang="en-US" smtClean="0"/>
-              <a:t>6/21/2015</a:t>
+              <a:t>6/22/15</a:t>
             </a:fld>
             <a:endParaRPr lang="en-US"/>
           </a:p>
@@ -998,7 +998,7 @@
           <a:p>
             <a:fld id="{2C1A9416-1E9F-4A9E-8494-D96A666F628A}" type="datetimeFigureOut">
               <a:rPr lang="en-US" smtClean="0"/>
-              <a:t>6/21/2015</a:t>
+              <a:t>6/22/15</a:t>
             </a:fld>
             <a:endParaRPr lang="en-US"/>
           </a:p>
@@ -1306,7 +1306,7 @@
           <a:p>
             <a:fld id="{2C1A9416-1E9F-4A9E-8494-D96A666F628A}" type="datetimeFigureOut">
               <a:rPr lang="en-US" smtClean="0"/>
-              <a:t>6/21/2015</a:t>
+              <a:t>6/22/15</a:t>
             </a:fld>
             <a:endParaRPr lang="en-US"/>
           </a:p>
@@ -1624,7 +1624,7 @@
           <a:p>
             <a:fld id="{2C1A9416-1E9F-4A9E-8494-D96A666F628A}" type="datetimeFigureOut">
               <a:rPr lang="en-US" smtClean="0"/>
-              <a:t>6/21/2015</a:t>
+              <a:t>6/22/15</a:t>
             </a:fld>
             <a:endParaRPr lang="en-US"/>
           </a:p>
@@ -1926,7 +1926,7 @@
           <a:p>
             <a:fld id="{2C1A9416-1E9F-4A9E-8494-D96A666F628A}" type="datetimeFigureOut">
               <a:rPr lang="en-US" smtClean="0"/>
-              <a:t>6/21/2015</a:t>
+              <a:t>6/22/15</a:t>
             </a:fld>
             <a:endParaRPr lang="en-US"/>
           </a:p>
@@ -2293,7 +2293,7 @@
           <a:p>
             <a:fld id="{2C1A9416-1E9F-4A9E-8494-D96A666F628A}" type="datetimeFigureOut">
               <a:rPr lang="en-US" smtClean="0"/>
-              <a:t>6/21/2015</a:t>
+              <a:t>6/22/15</a:t>
             </a:fld>
             <a:endParaRPr lang="en-US"/>
           </a:p>
@@ -2467,7 +2467,7 @@
           <a:p>
             <a:fld id="{2C1A9416-1E9F-4A9E-8494-D96A666F628A}" type="datetimeFigureOut">
               <a:rPr lang="en-US" smtClean="0"/>
-              <a:t>6/21/2015</a:t>
+              <a:t>6/22/15</a:t>
             </a:fld>
             <a:endParaRPr lang="en-US"/>
           </a:p>
@@ -2647,7 +2647,7 @@
           <a:p>
             <a:fld id="{2C1A9416-1E9F-4A9E-8494-D96A666F628A}" type="datetimeFigureOut">
               <a:rPr lang="en-US" smtClean="0"/>
-              <a:t>6/21/2015</a:t>
+              <a:t>6/22/15</a:t>
             </a:fld>
             <a:endParaRPr lang="en-US"/>
           </a:p>
@@ -2817,7 +2817,7 @@
           <a:p>
             <a:fld id="{2C1A9416-1E9F-4A9E-8494-D96A666F628A}" type="datetimeFigureOut">
               <a:rPr lang="en-US" smtClean="0"/>
-              <a:t>6/21/2015</a:t>
+              <a:t>6/22/15</a:t>
             </a:fld>
             <a:endParaRPr lang="en-US"/>
           </a:p>
@@ -3067,7 +3067,7 @@
           <a:p>
             <a:fld id="{2C1A9416-1E9F-4A9E-8494-D96A666F628A}" type="datetimeFigureOut">
               <a:rPr lang="en-US" smtClean="0"/>
-              <a:t>6/21/2015</a:t>
+              <a:t>6/22/15</a:t>
             </a:fld>
             <a:endParaRPr lang="en-US"/>
           </a:p>
@@ -3303,7 +3303,7 @@
           <a:p>
             <a:fld id="{2C1A9416-1E9F-4A9E-8494-D96A666F628A}" type="datetimeFigureOut">
               <a:rPr lang="en-US" smtClean="0"/>
-              <a:t>6/21/2015</a:t>
+              <a:t>6/22/15</a:t>
             </a:fld>
             <a:endParaRPr lang="en-US"/>
           </a:p>
@@ -3685,7 +3685,7 @@
           <a:p>
             <a:fld id="{2C1A9416-1E9F-4A9E-8494-D96A666F628A}" type="datetimeFigureOut">
               <a:rPr lang="en-US" smtClean="0"/>
-              <a:t>6/21/2015</a:t>
+              <a:t>6/22/15</a:t>
             </a:fld>
             <a:endParaRPr lang="en-US"/>
           </a:p>
@@ -3803,7 +3803,7 @@
           <a:p>
             <a:fld id="{2C1A9416-1E9F-4A9E-8494-D96A666F628A}" type="datetimeFigureOut">
               <a:rPr lang="en-US" smtClean="0"/>
-              <a:t>6/21/2015</a:t>
+              <a:t>6/22/15</a:t>
             </a:fld>
             <a:endParaRPr lang="en-US"/>
           </a:p>
@@ -3898,7 +3898,7 @@
           <a:p>
             <a:fld id="{2C1A9416-1E9F-4A9E-8494-D96A666F628A}" type="datetimeFigureOut">
               <a:rPr lang="en-US" smtClean="0"/>
-              <a:t>6/21/2015</a:t>
+              <a:t>6/22/15</a:t>
             </a:fld>
             <a:endParaRPr lang="en-US"/>
           </a:p>
@@ -4153,7 +4153,7 @@
           <a:p>
             <a:fld id="{2C1A9416-1E9F-4A9E-8494-D96A666F628A}" type="datetimeFigureOut">
               <a:rPr lang="en-US" smtClean="0"/>
-              <a:t>6/21/2015</a:t>
+              <a:t>6/22/15</a:t>
             </a:fld>
             <a:endParaRPr lang="en-US"/>
           </a:p>
@@ -4436,7 +4436,7 @@
           <a:p>
             <a:fld id="{2C1A9416-1E9F-4A9E-8494-D96A666F628A}" type="datetimeFigureOut">
               <a:rPr lang="en-US" smtClean="0"/>
-              <a:t>6/21/2015</a:t>
+              <a:t>6/22/15</a:t>
             </a:fld>
             <a:endParaRPr lang="en-US"/>
           </a:p>
@@ -4842,7 +4842,7 @@
           <a:p>
             <a:fld id="{2C1A9416-1E9F-4A9E-8494-D96A666F628A}" type="datetimeFigureOut">
               <a:rPr lang="en-US" smtClean="0"/>
-              <a:t>6/21/2015</a:t>
+              <a:t>6/22/15</a:t>
             </a:fld>
             <a:endParaRPr lang="en-US"/>
           </a:p>
@@ -6007,7 +6007,6 @@
               <a:rPr lang="en-US" dirty="0" smtClean="0"/>
               <a:t>Kiosks will have power</a:t>
             </a:r>
-            <a:endParaRPr lang="en-US" dirty="0" smtClean="0"/>
           </a:p>
           <a:p>
             <a:pPr marL="342900" indent="-342900">
@@ -6018,7 +6017,6 @@
               <a:rPr lang="en-US" dirty="0" smtClean="0"/>
               <a:t>A method for transporting audiobooks between branches will be available</a:t>
             </a:r>
-            <a:endParaRPr lang="en-US" dirty="0" smtClean="0"/>
           </a:p>
           <a:p>
             <a:pPr marL="342900" indent="-342900">
@@ -6029,7 +6027,6 @@
               <a:rPr lang="en-US" dirty="0" smtClean="0"/>
               <a:t>Kiosk hardware will be in good repair and function as expected</a:t>
             </a:r>
-            <a:endParaRPr lang="en-US" dirty="0" smtClean="0"/>
           </a:p>
           <a:p>
             <a:pPr marL="342900" indent="-342900">
@@ -6040,7 +6037,6 @@
               <a:rPr lang="en-US" dirty="0" smtClean="0"/>
               <a:t>Credit Card data will not be hosted internally</a:t>
             </a:r>
-            <a:endParaRPr lang="en-US" dirty="0" smtClean="0"/>
           </a:p>
           <a:p>
             <a:pPr marL="342900" indent="-342900">
@@ -6219,30 +6215,6 @@
           </a:p>
         </p:txBody>
       </p:sp>
-      <p:sp>
-        <p:nvSpPr>
-          <p:cNvPr id="3" name="Text Placeholder 2"/>
-          <p:cNvSpPr>
-            <a:spLocks noGrp="1"/>
-          </p:cNvSpPr>
-          <p:nvPr>
-            <p:ph type="body" idx="1"/>
-          </p:nvPr>
-        </p:nvSpPr>
-        <p:spPr>
-          <a:xfrm>
-            <a:off x="684212" y="1700011"/>
-            <a:ext cx="8535988" cy="4294389"/>
-          </a:xfrm>
-        </p:spPr>
-        <p:txBody>
-          <a:bodyPr/>
-          <a:lstStyle/>
-          <a:p>
-            <a:endParaRPr lang="en-US" dirty="0"/>
-          </a:p>
-        </p:txBody>
-      </p:sp>
       <p:graphicFrame>
         <p:nvGraphicFramePr>
           <p:cNvPr id="5" name="Table 4"/>
@@ -6252,13 +6224,13 @@
           <p:nvPr>
             <p:extLst>
               <p:ext uri="{D42A27DB-BD31-4B8C-83A1-F6EECF244321}">
-                <p14:modId xmlns:p14="http://schemas.microsoft.com/office/powerpoint/2010/main" val="586962283"/>
+                <p14:modId xmlns:p14="http://schemas.microsoft.com/office/powerpoint/2010/main" val="3539785763"/>
               </p:ext>
             </p:extLst>
           </p:nvPr>
         </p:nvGraphicFramePr>
         <p:xfrm>
-          <a:off x="901521" y="1880312"/>
+          <a:off x="1936661" y="2102510"/>
           <a:ext cx="8318678" cy="4114090"/>
         </p:xfrm>
         <a:graphic>
@@ -6326,12 +6298,12 @@
                     <a:p>
                       <a:pPr algn="l" fontAlgn="b"/>
                       <a:r>
-                        <a:rPr lang="en-US" sz="1100" u="none" strike="noStrike">
+                        <a:rPr lang="en-US" sz="1100" u="none" strike="noStrike" dirty="0">
                           <a:effectLst/>
                         </a:rPr>
                         <a:t>Primary Actor</a:t>
                       </a:r>
-                      <a:endParaRPr lang="en-US" sz="1100" b="1" i="0" u="none" strike="noStrike">
+                      <a:endParaRPr lang="en-US" sz="1100" b="1" i="0" u="none" strike="noStrike" dirty="0">
                         <a:solidFill>
                           <a:srgbClr val="000000"/>
                         </a:solidFill>
@@ -6610,12 +6582,12 @@
                     <a:p>
                       <a:pPr algn="l" fontAlgn="b"/>
                       <a:r>
-                        <a:rPr lang="en-US" sz="1100" u="none" strike="noStrike">
+                        <a:rPr lang="en-US" sz="1100" u="none" strike="noStrike" dirty="0">
                           <a:effectLst/>
                         </a:rPr>
                         <a:t>Customer</a:t>
                       </a:r>
-                      <a:endParaRPr lang="en-US" sz="1100" b="0" i="0" u="none" strike="noStrike">
+                      <a:endParaRPr lang="en-US" sz="1100" b="0" i="0" u="none" strike="noStrike" dirty="0">
                         <a:solidFill>
                           <a:srgbClr val="000000"/>
                         </a:solidFill>
@@ -7145,15 +7117,7 @@
           <a:p>
             <a:r>
               <a:rPr lang="en-US" dirty="0" smtClean="0"/>
-              <a:t>Library </a:t>
-            </a:r>
-            <a:r>
-              <a:rPr lang="en-US" dirty="0" smtClean="0"/>
-              <a:t>staff </a:t>
-            </a:r>
-            <a:r>
-              <a:rPr lang="en-US" dirty="0" smtClean="0"/>
-              <a:t>– Local branch staff responsible for stocking audiobooks and registering new users</a:t>
+              <a:t>Library staff – Local branch staff responsible for stocking audiobooks and registering new users</a:t>
             </a:r>
           </a:p>
           <a:p>
@@ -7221,7 +7185,7 @@
     </a:clrScheme>
     <a:fontScheme name="Slice">
       <a:majorFont>
-        <a:latin typeface="Century Gothic" panose="020B0502020202020204"/>
+        <a:latin typeface="Century Gothic"/>
         <a:ea typeface=""/>
         <a:cs typeface=""/>
         <a:font script="Jpan" typeface="メイリオ"/>
@@ -7256,7 +7220,7 @@
         <a:font script="Geor" typeface="Sylfaen"/>
       </a:majorFont>
       <a:minorFont>
-        <a:latin typeface="Century Gothic" panose="020B0502020202020204"/>
+        <a:latin typeface="Century Gothic"/>
         <a:ea typeface=""/>
         <a:cs typeface=""/>
         <a:font script="Jpan" typeface="メイリオ"/>
@@ -7446,7 +7410,7 @@
   <a:extraClrSchemeLst/>
   <a:extLst>
     <a:ext uri="{05A4C25C-085E-4340-85A3-A5531E510DB2}">
-      <thm15:themeFamily xmlns:thm15="http://schemas.microsoft.com/office/thememl/2012/main" name="Slice" id="{0507925B-6AC9-4358-8E18-C330545D08F8}" vid="{13FEC7C6-62A9-40C4-99D2-581AACACAA2F}"/>
+      <thm15:themeFamily xmlns:thm15="http://schemas.microsoft.com/office/thememl/2012/main" xmlns="" name="Slice" id="{0507925B-6AC9-4358-8E18-C330545D08F8}" vid="{13FEC7C6-62A9-40C4-99D2-581AACACAA2F}"/>
     </a:ext>
   </a:extLst>
 </a:theme>
